--- a/Slides/Razor_11.pptx
+++ b/Slides/Razor_11.pptx
@@ -270,7 +270,7 @@
           <a:p>
             <a:fld id="{F8569548-A69C-4F54-A85C-997806FFD395}" type="datetimeFigureOut">
               <a:rPr lang="en-IN" smtClean="0"/>
-              <a:t>17-11-2021</a:t>
+              <a:t>09-02-2022</a:t>
             </a:fld>
             <a:endParaRPr lang="en-IN"/>
           </a:p>
@@ -20329,7 +20329,7 @@
           <a:p>
             <a:fld id="{FC69B7DB-8367-4EA5-BD31-DC3A1C807884}" type="datetimeFigureOut">
               <a:rPr lang="en-US" smtClean="0"/>
-              <a:t>11/17/2021</a:t>
+              <a:t>2/9/2022</a:t>
             </a:fld>
             <a:endParaRPr lang="en-US" dirty="0"/>
           </a:p>
@@ -20706,7 +20706,7 @@
           <a:p>
             <a:fld id="{FC69B7DB-8367-4EA5-BD31-DC3A1C807884}" type="datetimeFigureOut">
               <a:rPr lang="en-US" smtClean="0"/>
-              <a:t>11/17/2021</a:t>
+              <a:t>2/9/2022</a:t>
             </a:fld>
             <a:endParaRPr lang="en-US" dirty="0"/>
           </a:p>
@@ -21142,7 +21142,7 @@
           <a:p>
             <a:fld id="{FC69B7DB-8367-4EA5-BD31-DC3A1C807884}" type="datetimeFigureOut">
               <a:rPr lang="en-US" smtClean="0"/>
-              <a:t>11/17/2021</a:t>
+              <a:t>2/9/2022</a:t>
             </a:fld>
             <a:endParaRPr lang="en-US" dirty="0"/>
           </a:p>
@@ -21712,7 +21712,7 @@
           <a:p>
             <a:fld id="{FC69B7DB-8367-4EA5-BD31-DC3A1C807884}" type="datetimeFigureOut">
               <a:rPr lang="en-US" smtClean="0"/>
-              <a:t>11/17/2021</a:t>
+              <a:t>2/9/2022</a:t>
             </a:fld>
             <a:endParaRPr lang="en-US" dirty="0"/>
           </a:p>
@@ -21978,7 +21978,7 @@
           <a:p>
             <a:fld id="{FC69B7DB-8367-4EA5-BD31-DC3A1C807884}" type="datetimeFigureOut">
               <a:rPr lang="en-US" smtClean="0"/>
-              <a:t>11/17/2021</a:t>
+              <a:t>2/9/2022</a:t>
             </a:fld>
             <a:endParaRPr lang="en-US" dirty="0"/>
           </a:p>
@@ -22443,7 +22443,7 @@
           <a:p>
             <a:fld id="{FC69B7DB-8367-4EA5-BD31-DC3A1C807884}" type="datetimeFigureOut">
               <a:rPr lang="en-US" smtClean="0"/>
-              <a:t>11/17/2021</a:t>
+              <a:t>2/9/2022</a:t>
             </a:fld>
             <a:endParaRPr lang="en-US" dirty="0"/>
           </a:p>
@@ -22891,7 +22891,7 @@
           <a:p>
             <a:fld id="{FC69B7DB-8367-4EA5-BD31-DC3A1C807884}" type="datetimeFigureOut">
               <a:rPr lang="en-US" smtClean="0"/>
-              <a:t>11/17/2021</a:t>
+              <a:t>2/9/2022</a:t>
             </a:fld>
             <a:endParaRPr lang="en-US" dirty="0"/>
           </a:p>
@@ -23340,7 +23340,7 @@
           <a:p>
             <a:fld id="{FC69B7DB-8367-4EA5-BD31-DC3A1C807884}" type="datetimeFigureOut">
               <a:rPr lang="en-US" smtClean="0"/>
-              <a:t>11/17/2021</a:t>
+              <a:t>2/9/2022</a:t>
             </a:fld>
             <a:endParaRPr lang="en-US" dirty="0"/>
           </a:p>
@@ -23534,7 +23534,7 @@
           <a:p>
             <a:fld id="{FC69B7DB-8367-4EA5-BD31-DC3A1C807884}" type="datetimeFigureOut">
               <a:rPr lang="en-US" smtClean="0"/>
-              <a:t>11/17/2021</a:t>
+              <a:t>2/9/2022</a:t>
             </a:fld>
             <a:endParaRPr lang="en-US" dirty="0"/>
           </a:p>
@@ -42902,7 +42902,7 @@
           <a:p>
             <a:r>
               <a:rPr lang="en-IN" sz="3600" dirty="0"/>
-              <a:t>Module 10</a:t>
+              <a:t>Module 11</a:t>
             </a:r>
           </a:p>
         </p:txBody>
